--- a/asante-webinar/webinar.pptx
+++ b/asante-webinar/webinar.pptx
@@ -120,7 +120,86 @@
       </a:defRPr>
     </a:lvl9pPr>
   </p:defaultTextStyle>
+  <p:extLst>
+    <p:ext uri="{521415D9-36F7-43E2-AB2F-B90AF26B5E84}">
+      <p14:sectionLst xmlns:p14="http://schemas.microsoft.com/office/powerpoint/2010/main">
+        <p14:section name="Default Section" id="{6B72C3D5-12A9-430B-B690-9930EC3B83BF}">
+          <p14:sldIdLst>
+            <p14:sldId id="256"/>
+          </p14:sldIdLst>
+        </p14:section>
+        <p14:section name="S1" id="{FC8AACDA-0E89-4BE8-A4D4-2A4D0D5A65F2}">
+          <p14:sldIdLst>
+            <p14:sldId id="257"/>
+            <p14:sldId id="258"/>
+            <p14:sldId id="259"/>
+          </p14:sldIdLst>
+        </p14:section>
+        <p14:section name="S2 - AIs growing role in marketing" id="{8E03A54C-004D-4BAF-9E43-7E8926E343A0}">
+          <p14:sldIdLst>
+            <p14:sldId id="260"/>
+            <p14:sldId id="261"/>
+            <p14:sldId id="262"/>
+            <p14:sldId id="263"/>
+          </p14:sldIdLst>
+        </p14:section>
+        <p14:section name="S3 Data Engineering's Critical Role" id="{0B4EED92-3C14-4FA5-9863-952BE6386853}">
+          <p14:sldIdLst>
+            <p14:sldId id="264"/>
+            <p14:sldId id="265"/>
+            <p14:sldId id="266"/>
+          </p14:sldIdLst>
+        </p14:section>
+        <p14:section name="S4 - Strategy, Ethics &amp; Business Impact" id="{0013A98E-71E5-4707-9F8B-D85762AD8DB1}">
+          <p14:sldIdLst>
+            <p14:sldId id="267"/>
+            <p14:sldId id="268"/>
+            <p14:sldId id="269"/>
+          </p14:sldIdLst>
+        </p14:section>
+        <p14:section name="S5 - Future Outlook" id="{339EB3C8-A5BF-47E0-8079-5129ABE8B24B}">
+          <p14:sldIdLst>
+            <p14:sldId id="270"/>
+            <p14:sldId id="271"/>
+            <p14:sldId id="272"/>
+          </p14:sldIdLst>
+        </p14:section>
+      </p14:sectionLst>
+    </p:ext>
+    <p:ext uri="{EFAFB233-063F-42B5-8137-9DF3F51BA10A}">
+      <p15:sldGuideLst xmlns:p15="http://schemas.microsoft.com/office/powerpoint/2012/main"/>
+    </p:ext>
+  </p:extLst>
 </p:presentation>
+</file>
+
+<file path=ppt/changesInfos/changesInfo1.xml><?xml version="1.0" encoding="utf-8"?>
+<pc:chgInfo xmlns:a="http://schemas.openxmlformats.org/drawingml/2006/main" xmlns:r="http://schemas.openxmlformats.org/officeDocument/2006/relationships" xmlns:ac="http://schemas.microsoft.com/office/drawing/2013/main/command" xmlns:pc="http://schemas.microsoft.com/office/powerpoint/2013/main/command">
+  <pc:docChgLst>
+    <pc:chgData name="Niels Berglund" userId="6462ffc3c746bb1c" providerId="LiveId" clId="{572CFA61-6849-42BD-B1DA-93EA9D7DCECD}"/>
+    <pc:docChg chg="modSld addSection modSection">
+      <pc:chgData name="Niels Berglund" userId="6462ffc3c746bb1c" providerId="LiveId" clId="{572CFA61-6849-42BD-B1DA-93EA9D7DCECD}" dt="2025-11-27T15:54:14.059" v="18" actId="17846"/>
+      <pc:docMkLst>
+        <pc:docMk/>
+      </pc:docMkLst>
+      <pc:sldChg chg="modSp mod">
+        <pc:chgData name="Niels Berglund" userId="6462ffc3c746bb1c" providerId="LiveId" clId="{572CFA61-6849-42BD-B1DA-93EA9D7DCECD}" dt="2025-11-27T15:39:01.156" v="8" actId="207"/>
+        <pc:sldMkLst>
+          <pc:docMk/>
+          <pc:sldMk cId="1971739706" sldId="257"/>
+        </pc:sldMkLst>
+        <pc:spChg chg="mod">
+          <ac:chgData name="Niels Berglund" userId="6462ffc3c746bb1c" providerId="LiveId" clId="{572CFA61-6849-42BD-B1DA-93EA9D7DCECD}" dt="2025-11-27T15:39:01.156" v="8" actId="207"/>
+          <ac:spMkLst>
+            <pc:docMk/>
+            <pc:sldMk cId="1971739706" sldId="257"/>
+            <ac:spMk id="4" creationId="{CCDD21C9-F6ED-A0BB-2599-89229627C589}"/>
+          </ac:spMkLst>
+        </pc:spChg>
+      </pc:sldChg>
+    </pc:docChg>
+  </pc:docChgLst>
+</pc:chgInfo>
 </file>
 
 <file path=ppt/slideLayouts/slideLayout1.xml><?xml version="1.0" encoding="utf-8"?>
@@ -272,7 +351,7 @@
           <a:p>
             <a:fld id="{16DEDF94-8148-ED4C-8DB1-0E6CD3841C30}" type="datetimeFigureOut">
               <a:rPr lang="en-US" smtClean="0"/>
-              <a:t>11/27/25</a:t>
+              <a:t>2025-11-27</a:t>
             </a:fld>
             <a:endParaRPr lang="en-US"/>
           </a:p>
@@ -472,7 +551,7 @@
           <a:p>
             <a:fld id="{16DEDF94-8148-ED4C-8DB1-0E6CD3841C30}" type="datetimeFigureOut">
               <a:rPr lang="en-US" smtClean="0"/>
-              <a:t>11/27/25</a:t>
+              <a:t>2025-11-27</a:t>
             </a:fld>
             <a:endParaRPr lang="en-US"/>
           </a:p>
@@ -682,7 +761,7 @@
           <a:p>
             <a:fld id="{16DEDF94-8148-ED4C-8DB1-0E6CD3841C30}" type="datetimeFigureOut">
               <a:rPr lang="en-US" smtClean="0"/>
-              <a:t>11/27/25</a:t>
+              <a:t>2025-11-27</a:t>
             </a:fld>
             <a:endParaRPr lang="en-US"/>
           </a:p>
@@ -882,7 +961,7 @@
           <a:p>
             <a:fld id="{16DEDF94-8148-ED4C-8DB1-0E6CD3841C30}" type="datetimeFigureOut">
               <a:rPr lang="en-US" smtClean="0"/>
-              <a:t>11/27/25</a:t>
+              <a:t>2025-11-27</a:t>
             </a:fld>
             <a:endParaRPr lang="en-US"/>
           </a:p>
@@ -1158,7 +1237,7 @@
           <a:p>
             <a:fld id="{16DEDF94-8148-ED4C-8DB1-0E6CD3841C30}" type="datetimeFigureOut">
               <a:rPr lang="en-US" smtClean="0"/>
-              <a:t>11/27/25</a:t>
+              <a:t>2025-11-27</a:t>
             </a:fld>
             <a:endParaRPr lang="en-US"/>
           </a:p>
@@ -1426,7 +1505,7 @@
           <a:p>
             <a:fld id="{16DEDF94-8148-ED4C-8DB1-0E6CD3841C30}" type="datetimeFigureOut">
               <a:rPr lang="en-US" smtClean="0"/>
-              <a:t>11/27/25</a:t>
+              <a:t>2025-11-27</a:t>
             </a:fld>
             <a:endParaRPr lang="en-US"/>
           </a:p>
@@ -1841,7 +1920,7 @@
           <a:p>
             <a:fld id="{16DEDF94-8148-ED4C-8DB1-0E6CD3841C30}" type="datetimeFigureOut">
               <a:rPr lang="en-US" smtClean="0"/>
-              <a:t>11/27/25</a:t>
+              <a:t>2025-11-27</a:t>
             </a:fld>
             <a:endParaRPr lang="en-US"/>
           </a:p>
@@ -1983,7 +2062,7 @@
           <a:p>
             <a:fld id="{16DEDF94-8148-ED4C-8DB1-0E6CD3841C30}" type="datetimeFigureOut">
               <a:rPr lang="en-US" smtClean="0"/>
-              <a:t>11/27/25</a:t>
+              <a:t>2025-11-27</a:t>
             </a:fld>
             <a:endParaRPr lang="en-US"/>
           </a:p>
@@ -2096,7 +2175,7 @@
           <a:p>
             <a:fld id="{16DEDF94-8148-ED4C-8DB1-0E6CD3841C30}" type="datetimeFigureOut">
               <a:rPr lang="en-US" smtClean="0"/>
-              <a:t>11/27/25</a:t>
+              <a:t>2025-11-27</a:t>
             </a:fld>
             <a:endParaRPr lang="en-US"/>
           </a:p>
@@ -2409,7 +2488,7 @@
           <a:p>
             <a:fld id="{16DEDF94-8148-ED4C-8DB1-0E6CD3841C30}" type="datetimeFigureOut">
               <a:rPr lang="en-US" smtClean="0"/>
-              <a:t>11/27/25</a:t>
+              <a:t>2025-11-27</a:t>
             </a:fld>
             <a:endParaRPr lang="en-US"/>
           </a:p>
@@ -2698,7 +2777,7 @@
           <a:p>
             <a:fld id="{16DEDF94-8148-ED4C-8DB1-0E6CD3841C30}" type="datetimeFigureOut">
               <a:rPr lang="en-US" smtClean="0"/>
-              <a:t>11/27/25</a:t>
+              <a:t>2025-11-27</a:t>
             </a:fld>
             <a:endParaRPr lang="en-US"/>
           </a:p>
@@ -2941,7 +3020,7 @@
           <a:p>
             <a:fld id="{16DEDF94-8148-ED4C-8DB1-0E6CD3841C30}" type="datetimeFigureOut">
               <a:rPr lang="en-US" smtClean="0"/>
-              <a:t>11/27/25</a:t>
+              <a:t>2025-11-27</a:t>
             </a:fld>
             <a:endParaRPr lang="en-US"/>
           </a:p>
@@ -4995,7 +5074,43 @@
             </a:r>
             <a:r>
               <a:rPr lang="en-US" sz="2000" dirty="0"/>
-              <a:t> tools or AI models—it starts with data engineering, because if your data is siloed, dirty, or poorly stitched together, even the smartest AI will just automate “garbage in, garbage out.”</a:t>
+              <a:t> tools or AI models—it starts with </a:t>
+            </a:r>
+            <a:r>
+              <a:rPr lang="en-US" sz="2000" b="1" dirty="0">
+                <a:solidFill>
+                  <a:srgbClr val="FF0000"/>
+                </a:solidFill>
+              </a:rPr>
+              <a:t>data engineering</a:t>
+            </a:r>
+            <a:r>
+              <a:rPr lang="en-US" sz="2000" dirty="0"/>
+              <a:t>, because if your data is </a:t>
+            </a:r>
+            <a:r>
+              <a:rPr lang="en-US" sz="2000" b="1" dirty="0">
+                <a:solidFill>
+                  <a:srgbClr val="FF0000"/>
+                </a:solidFill>
+              </a:rPr>
+              <a:t>siloed, dirty, or poorly stitched together</a:t>
+            </a:r>
+            <a:r>
+              <a:rPr lang="en-US" sz="2000" dirty="0"/>
+              <a:t>, even the smartest AI will just automate “</a:t>
+            </a:r>
+            <a:r>
+              <a:rPr lang="en-US" sz="2000" b="1" dirty="0">
+                <a:solidFill>
+                  <a:srgbClr val="FF0000"/>
+                </a:solidFill>
+              </a:rPr>
+              <a:t>garbage in, garbage out</a:t>
+            </a:r>
+            <a:r>
+              <a:rPr lang="en-US" sz="2000" dirty="0"/>
+              <a:t>.”</a:t>
             </a:r>
           </a:p>
           <a:p>
@@ -5004,7 +5119,19 @@
           <a:p>
             <a:r>
               <a:rPr lang="en-US" sz="2000" dirty="0"/>
-              <a:t>Data engineers build the pipelines and customer data foundation (CDP/warehouse, identity resolution, real-time flows, consent and governance) that turn scattered CRM, web, transactional, and support data into a reliable single customer view that AI can truly act on. The brands winning at hyper-personalization are the ones that treated this data infrastructure as mission-critical, investing in it before chasing shiny new AI tools.</a:t>
+              <a:t>Data engineers build the pipelines and customer data foundation (CDP/warehouse, identity resolution, real-time flows, consent and governance) that turn scattered CRM, web, transactional, and support data into a reliable single customer view that AI can truly act on. The brands winning at hyper-personalization are the ones that treated this </a:t>
+            </a:r>
+            <a:r>
+              <a:rPr lang="en-US" sz="2000" b="1" dirty="0">
+                <a:solidFill>
+                  <a:srgbClr val="FF0000"/>
+                </a:solidFill>
+              </a:rPr>
+              <a:t>data infrastructure as mission-critical</a:t>
+            </a:r>
+            <a:r>
+              <a:rPr lang="en-US" sz="2000" dirty="0"/>
+              <a:t>, investing in it before chasing shiny new AI tools.</a:t>
             </a:r>
           </a:p>
         </p:txBody>
